--- a/SatisfactoryPlanning.pptx
+++ b/SatisfactoryPlanning.pptx
@@ -119,7 +119,7 @@
 <file path=ppt/revisionInfo.xml><?xml version="1.0" encoding="utf-8"?>
 <p1510:revInfo xmlns:a="http://schemas.openxmlformats.org/drawingml/2006/main" xmlns:r="http://schemas.openxmlformats.org/officeDocument/2006/relationships" xmlns:p1510="http://schemas.microsoft.com/office/powerpoint/2015/10/main">
   <p1510:revLst>
-    <p1510:client id="{4EE1E1C5-3BBA-4446-B4F3-6FBF5165055E}" v="52" dt="2024-05-21T11:09:22.168"/>
+    <p1510:client id="{4EE1E1C5-3BBA-4446-B4F3-6FBF5165055E}" v="70" dt="2024-05-31T14:06:03.397"/>
   </p1510:revLst>
 </p1510:revInfo>
 </file>
@@ -129,32 +129,192 @@
   <pc:docChgLst>
     <pc:chgData name="Sam Smith" userId="4f436b633839fde9" providerId="LiveId" clId="{4EE1E1C5-3BBA-4446-B4F3-6FBF5165055E}"/>
     <pc:docChg chg="undo redo custSel addSld delSld modSld">
-      <pc:chgData name="Sam Smith" userId="4f436b633839fde9" providerId="LiveId" clId="{4EE1E1C5-3BBA-4446-B4F3-6FBF5165055E}" dt="2024-05-21T12:12:59.165" v="2321" actId="20577"/>
+      <pc:chgData name="Sam Smith" userId="4f436b633839fde9" providerId="LiveId" clId="{4EE1E1C5-3BBA-4446-B4F3-6FBF5165055E}" dt="2024-06-01T18:50:38.815" v="2591" actId="1035"/>
       <pc:docMkLst>
         <pc:docMk/>
       </pc:docMkLst>
-      <pc:sldChg chg="modSp mod">
-        <pc:chgData name="Sam Smith" userId="4f436b633839fde9" providerId="LiveId" clId="{4EE1E1C5-3BBA-4446-B4F3-6FBF5165055E}" dt="2024-05-21T12:12:59.165" v="2321" actId="20577"/>
+      <pc:sldChg chg="addSp delSp modSp mod setBg setClrOvrMap">
+        <pc:chgData name="Sam Smith" userId="4f436b633839fde9" providerId="LiveId" clId="{4EE1E1C5-3BBA-4446-B4F3-6FBF5165055E}" dt="2024-05-31T14:06:02.898" v="2587" actId="1076"/>
         <pc:sldMkLst>
           <pc:docMk/>
           <pc:sldMk cId="2670633446" sldId="256"/>
         </pc:sldMkLst>
         <pc:spChg chg="mod">
-          <ac:chgData name="Sam Smith" userId="4f436b633839fde9" providerId="LiveId" clId="{4EE1E1C5-3BBA-4446-B4F3-6FBF5165055E}" dt="2024-05-13T16:21:58.614" v="1562" actId="20577"/>
+          <ac:chgData name="Sam Smith" userId="4f436b633839fde9" providerId="LiveId" clId="{4EE1E1C5-3BBA-4446-B4F3-6FBF5165055E}" dt="2024-05-31T14:06:01.027" v="2584"/>
           <ac:spMkLst>
             <pc:docMk/>
             <pc:sldMk cId="2670633446" sldId="256"/>
             <ac:spMk id="2" creationId="{81E5E5E2-DF17-51DE-C488-9D6A822DB86A}"/>
           </ac:spMkLst>
         </pc:spChg>
-        <pc:spChg chg="mod">
-          <ac:chgData name="Sam Smith" userId="4f436b633839fde9" providerId="LiveId" clId="{4EE1E1C5-3BBA-4446-B4F3-6FBF5165055E}" dt="2024-05-21T12:12:59.165" v="2321" actId="20577"/>
+        <pc:spChg chg="mod ord">
+          <ac:chgData name="Sam Smith" userId="4f436b633839fde9" providerId="LiveId" clId="{4EE1E1C5-3BBA-4446-B4F3-6FBF5165055E}" dt="2024-05-31T14:06:01.027" v="2584"/>
           <ac:spMkLst>
             <pc:docMk/>
             <pc:sldMk cId="2670633446" sldId="256"/>
             <ac:spMk id="3" creationId="{417127A5-1054-26C4-5429-862DFD1F96FE}"/>
           </ac:spMkLst>
         </pc:spChg>
+        <pc:spChg chg="add del">
+          <ac:chgData name="Sam Smith" userId="4f436b633839fde9" providerId="LiveId" clId="{4EE1E1C5-3BBA-4446-B4F3-6FBF5165055E}" dt="2024-05-31T14:04:58.618" v="2570" actId="26606"/>
+          <ac:spMkLst>
+            <pc:docMk/>
+            <pc:sldMk cId="2670633446" sldId="256"/>
+            <ac:spMk id="1033" creationId="{23E547B5-89CF-4EC0-96DE-25771AED0799}"/>
+          </ac:spMkLst>
+        </pc:spChg>
+        <pc:spChg chg="add del">
+          <ac:chgData name="Sam Smith" userId="4f436b633839fde9" providerId="LiveId" clId="{4EE1E1C5-3BBA-4446-B4F3-6FBF5165055E}" dt="2024-05-31T14:04:58.618" v="2570" actId="26606"/>
+          <ac:spMkLst>
+            <pc:docMk/>
+            <pc:sldMk cId="2670633446" sldId="256"/>
+            <ac:spMk id="1035" creationId="{3F0B8CEB-8279-4E5E-A0CE-1FC9F71736F2}"/>
+          </ac:spMkLst>
+        </pc:spChg>
+        <pc:spChg chg="add del">
+          <ac:chgData name="Sam Smith" userId="4f436b633839fde9" providerId="LiveId" clId="{4EE1E1C5-3BBA-4446-B4F3-6FBF5165055E}" dt="2024-05-31T14:05:04.402" v="2572" actId="26606"/>
+          <ac:spMkLst>
+            <pc:docMk/>
+            <pc:sldMk cId="2670633446" sldId="256"/>
+            <ac:spMk id="1037" creationId="{04812C46-200A-4DEB-A05E-3ED6C68C2387}"/>
+          </ac:spMkLst>
+        </pc:spChg>
+        <pc:spChg chg="add del">
+          <ac:chgData name="Sam Smith" userId="4f436b633839fde9" providerId="LiveId" clId="{4EE1E1C5-3BBA-4446-B4F3-6FBF5165055E}" dt="2024-05-31T14:05:04.402" v="2572" actId="26606"/>
+          <ac:spMkLst>
+            <pc:docMk/>
+            <pc:sldMk cId="2670633446" sldId="256"/>
+            <ac:spMk id="1038" creationId="{D1EA859B-E555-4109-94F3-6700E046E008}"/>
+          </ac:spMkLst>
+        </pc:spChg>
+        <pc:spChg chg="add del">
+          <ac:chgData name="Sam Smith" userId="4f436b633839fde9" providerId="LiveId" clId="{4EE1E1C5-3BBA-4446-B4F3-6FBF5165055E}" dt="2024-05-31T14:05:08.330" v="2574" actId="26606"/>
+          <ac:spMkLst>
+            <pc:docMk/>
+            <pc:sldMk cId="2670633446" sldId="256"/>
+            <ac:spMk id="1039" creationId="{98E79BE4-34FE-485A-98A5-92CE8F7C4743}"/>
+          </ac:spMkLst>
+        </pc:spChg>
+        <pc:spChg chg="add del">
+          <ac:chgData name="Sam Smith" userId="4f436b633839fde9" providerId="LiveId" clId="{4EE1E1C5-3BBA-4446-B4F3-6FBF5165055E}" dt="2024-05-31T14:05:08.330" v="2574" actId="26606"/>
+          <ac:spMkLst>
+            <pc:docMk/>
+            <pc:sldMk cId="2670633446" sldId="256"/>
+            <ac:spMk id="1040" creationId="{50E4C519-FBE9-4ABE-A8F9-C2CBE326932F}"/>
+          </ac:spMkLst>
+        </pc:spChg>
+        <pc:spChg chg="add del">
+          <ac:chgData name="Sam Smith" userId="4f436b633839fde9" providerId="LiveId" clId="{4EE1E1C5-3BBA-4446-B4F3-6FBF5165055E}" dt="2024-05-31T14:05:08.330" v="2574" actId="26606"/>
+          <ac:spMkLst>
+            <pc:docMk/>
+            <pc:sldMk cId="2670633446" sldId="256"/>
+            <ac:spMk id="1041" creationId="{7A5F0580-5EE9-419F-96EE-B6529EF6E7D0}"/>
+          </ac:spMkLst>
+        </pc:spChg>
+        <pc:spChg chg="add del">
+          <ac:chgData name="Sam Smith" userId="4f436b633839fde9" providerId="LiveId" clId="{4EE1E1C5-3BBA-4446-B4F3-6FBF5165055E}" dt="2024-05-31T14:05:08.330" v="2574" actId="26606"/>
+          <ac:spMkLst>
+            <pc:docMk/>
+            <pc:sldMk cId="2670633446" sldId="256"/>
+            <ac:spMk id="1042" creationId="{80EC29FB-299E-49F3-8C7B-01199632A30F}"/>
+          </ac:spMkLst>
+        </pc:spChg>
+        <pc:spChg chg="add del">
+          <ac:chgData name="Sam Smith" userId="4f436b633839fde9" providerId="LiveId" clId="{4EE1E1C5-3BBA-4446-B4F3-6FBF5165055E}" dt="2024-05-31T14:05:08.330" v="2574" actId="26606"/>
+          <ac:spMkLst>
+            <pc:docMk/>
+            <pc:sldMk cId="2670633446" sldId="256"/>
+            <ac:spMk id="1043" creationId="{C29A2522-B27A-45C5-897B-79A1407D159A}"/>
+          </ac:spMkLst>
+        </pc:spChg>
+        <pc:spChg chg="add del">
+          <ac:chgData name="Sam Smith" userId="4f436b633839fde9" providerId="LiveId" clId="{4EE1E1C5-3BBA-4446-B4F3-6FBF5165055E}" dt="2024-05-31T14:05:53.343" v="2576" actId="26606"/>
+          <ac:spMkLst>
+            <pc:docMk/>
+            <pc:sldMk cId="2670633446" sldId="256"/>
+            <ac:spMk id="1045" creationId="{94E4D846-3AFC-4F86-8C35-24B0542A269D}"/>
+          </ac:spMkLst>
+        </pc:spChg>
+        <pc:spChg chg="add del">
+          <ac:chgData name="Sam Smith" userId="4f436b633839fde9" providerId="LiveId" clId="{4EE1E1C5-3BBA-4446-B4F3-6FBF5165055E}" dt="2024-05-31T14:05:53.343" v="2576" actId="26606"/>
+          <ac:spMkLst>
+            <pc:docMk/>
+            <pc:sldMk cId="2670633446" sldId="256"/>
+            <ac:spMk id="1046" creationId="{284781B9-12CB-45C3-907A-9ED93FF72C65}"/>
+          </ac:spMkLst>
+        </pc:spChg>
+        <pc:spChg chg="add del">
+          <ac:chgData name="Sam Smith" userId="4f436b633839fde9" providerId="LiveId" clId="{4EE1E1C5-3BBA-4446-B4F3-6FBF5165055E}" dt="2024-05-31T14:05:53.343" v="2576" actId="26606"/>
+          <ac:spMkLst>
+            <pc:docMk/>
+            <pc:sldMk cId="2670633446" sldId="256"/>
+            <ac:spMk id="1047" creationId="{55D4142C-5077-457F-A6AD-3FECFDB39685}"/>
+          </ac:spMkLst>
+        </pc:spChg>
+        <pc:spChg chg="add del">
+          <ac:chgData name="Sam Smith" userId="4f436b633839fde9" providerId="LiveId" clId="{4EE1E1C5-3BBA-4446-B4F3-6FBF5165055E}" dt="2024-05-31T14:05:53.343" v="2576" actId="26606"/>
+          <ac:spMkLst>
+            <pc:docMk/>
+            <pc:sldMk cId="2670633446" sldId="256"/>
+            <ac:spMk id="1048" creationId="{7A5F0580-5EE9-419F-96EE-B6529EF6E7D0}"/>
+          </ac:spMkLst>
+        </pc:spChg>
+        <pc:spChg chg="add del">
+          <ac:chgData name="Sam Smith" userId="4f436b633839fde9" providerId="LiveId" clId="{4EE1E1C5-3BBA-4446-B4F3-6FBF5165055E}" dt="2024-05-31T14:05:54.171" v="2578" actId="26606"/>
+          <ac:spMkLst>
+            <pc:docMk/>
+            <pc:sldMk cId="2670633446" sldId="256"/>
+            <ac:spMk id="1050" creationId="{04812C46-200A-4DEB-A05E-3ED6C68C2387}"/>
+          </ac:spMkLst>
+        </pc:spChg>
+        <pc:spChg chg="add del">
+          <ac:chgData name="Sam Smith" userId="4f436b633839fde9" providerId="LiveId" clId="{4EE1E1C5-3BBA-4446-B4F3-6FBF5165055E}" dt="2024-05-31T14:05:54.171" v="2578" actId="26606"/>
+          <ac:spMkLst>
+            <pc:docMk/>
+            <pc:sldMk cId="2670633446" sldId="256"/>
+            <ac:spMk id="1051" creationId="{D1EA859B-E555-4109-94F3-6700E046E008}"/>
+          </ac:spMkLst>
+        </pc:spChg>
+        <pc:spChg chg="add del">
+          <ac:chgData name="Sam Smith" userId="4f436b633839fde9" providerId="LiveId" clId="{4EE1E1C5-3BBA-4446-B4F3-6FBF5165055E}" dt="2024-05-31T14:05:55.341" v="2580" actId="26606"/>
+          <ac:spMkLst>
+            <pc:docMk/>
+            <pc:sldMk cId="2670633446" sldId="256"/>
+            <ac:spMk id="1053" creationId="{23E547B5-89CF-4EC0-96DE-25771AED0799}"/>
+          </ac:spMkLst>
+        </pc:spChg>
+        <pc:spChg chg="add del">
+          <ac:chgData name="Sam Smith" userId="4f436b633839fde9" providerId="LiveId" clId="{4EE1E1C5-3BBA-4446-B4F3-6FBF5165055E}" dt="2024-05-31T14:05:55.341" v="2580" actId="26606"/>
+          <ac:spMkLst>
+            <pc:docMk/>
+            <pc:sldMk cId="2670633446" sldId="256"/>
+            <ac:spMk id="1054" creationId="{3F0B8CEB-8279-4E5E-A0CE-1FC9F71736F2}"/>
+          </ac:spMkLst>
+        </pc:spChg>
+        <pc:spChg chg="add del">
+          <ac:chgData name="Sam Smith" userId="4f436b633839fde9" providerId="LiveId" clId="{4EE1E1C5-3BBA-4446-B4F3-6FBF5165055E}" dt="2024-05-31T14:06:01.027" v="2584"/>
+          <ac:spMkLst>
+            <pc:docMk/>
+            <pc:sldMk cId="2670633446" sldId="256"/>
+            <ac:spMk id="1056" creationId="{71B2258F-86CA-4D4D-8270-BC05FCDEBFB3}"/>
+          </ac:spMkLst>
+        </pc:spChg>
+        <pc:picChg chg="add del mod">
+          <ac:chgData name="Sam Smith" userId="4f436b633839fde9" providerId="LiveId" clId="{4EE1E1C5-3BBA-4446-B4F3-6FBF5165055E}" dt="2024-05-31T14:04:31.485" v="2564" actId="478"/>
+          <ac:picMkLst>
+            <pc:docMk/>
+            <pc:sldMk cId="2670633446" sldId="256"/>
+            <ac:picMk id="1026" creationId="{A270C9A2-91CD-7488-93A6-8F3D24597142}"/>
+          </ac:picMkLst>
+        </pc:picChg>
+        <pc:picChg chg="add mod ord">
+          <ac:chgData name="Sam Smith" userId="4f436b633839fde9" providerId="LiveId" clId="{4EE1E1C5-3BBA-4446-B4F3-6FBF5165055E}" dt="2024-05-31T14:06:02.898" v="2587" actId="1076"/>
+          <ac:picMkLst>
+            <pc:docMk/>
+            <pc:sldMk cId="2670633446" sldId="256"/>
+            <ac:picMk id="1028" creationId="{E57AEB8F-B9D4-F34B-286D-01DFF92AABCB}"/>
+          </ac:picMkLst>
+        </pc:picChg>
       </pc:sldChg>
       <pc:sldChg chg="add del">
         <pc:chgData name="Sam Smith" userId="4f436b633839fde9" providerId="LiveId" clId="{4EE1E1C5-3BBA-4446-B4F3-6FBF5165055E}" dt="2024-05-12T17:00:24.208" v="1031" actId="47"/>
@@ -171,13 +331,13 @@
         </pc:sldMkLst>
       </pc:sldChg>
       <pc:sldChg chg="addSp delSp modSp add mod">
-        <pc:chgData name="Sam Smith" userId="4f436b633839fde9" providerId="LiveId" clId="{4EE1E1C5-3BBA-4446-B4F3-6FBF5165055E}" dt="2024-05-21T12:12:02.432" v="2292" actId="20577"/>
+        <pc:chgData name="Sam Smith" userId="4f436b633839fde9" providerId="LiveId" clId="{4EE1E1C5-3BBA-4446-B4F3-6FBF5165055E}" dt="2024-06-01T18:50:38.815" v="2591" actId="1035"/>
         <pc:sldMkLst>
           <pc:docMk/>
           <pc:sldMk cId="639001790" sldId="264"/>
         </pc:sldMkLst>
         <pc:spChg chg="mod">
-          <ac:chgData name="Sam Smith" userId="4f436b633839fde9" providerId="LiveId" clId="{4EE1E1C5-3BBA-4446-B4F3-6FBF5165055E}" dt="2024-05-12T11:46:06.340" v="446" actId="207"/>
+          <ac:chgData name="Sam Smith" userId="4f436b633839fde9" providerId="LiveId" clId="{4EE1E1C5-3BBA-4446-B4F3-6FBF5165055E}" dt="2024-05-31T13:58:35.709" v="2382" actId="113"/>
           <ac:spMkLst>
             <pc:docMk/>
             <pc:sldMk cId="639001790" sldId="264"/>
@@ -193,7 +353,7 @@
           </ac:spMkLst>
         </pc:spChg>
         <pc:spChg chg="mod">
-          <ac:chgData name="Sam Smith" userId="4f436b633839fde9" providerId="LiveId" clId="{4EE1E1C5-3BBA-4446-B4F3-6FBF5165055E}" dt="2024-05-21T10:40:44.052" v="2010" actId="554"/>
+          <ac:chgData name="Sam Smith" userId="4f436b633839fde9" providerId="LiveId" clId="{4EE1E1C5-3BBA-4446-B4F3-6FBF5165055E}" dt="2024-05-31T13:58:34.727" v="2381" actId="113"/>
           <ac:spMkLst>
             <pc:docMk/>
             <pc:sldMk cId="639001790" sldId="264"/>
@@ -201,7 +361,7 @@
           </ac:spMkLst>
         </pc:spChg>
         <pc:spChg chg="mod">
-          <ac:chgData name="Sam Smith" userId="4f436b633839fde9" providerId="LiveId" clId="{4EE1E1C5-3BBA-4446-B4F3-6FBF5165055E}" dt="2024-05-12T15:13:00.696" v="704" actId="20577"/>
+          <ac:chgData name="Sam Smith" userId="4f436b633839fde9" providerId="LiveId" clId="{4EE1E1C5-3BBA-4446-B4F3-6FBF5165055E}" dt="2024-05-31T13:59:35.297" v="2410" actId="6549"/>
           <ac:spMkLst>
             <pc:docMk/>
             <pc:sldMk cId="639001790" sldId="264"/>
@@ -209,7 +369,7 @@
           </ac:spMkLst>
         </pc:spChg>
         <pc:spChg chg="mod">
-          <ac:chgData name="Sam Smith" userId="4f436b633839fde9" providerId="LiveId" clId="{4EE1E1C5-3BBA-4446-B4F3-6FBF5165055E}" dt="2024-05-12T12:16:56.879" v="573" actId="207"/>
+          <ac:chgData name="Sam Smith" userId="4f436b633839fde9" providerId="LiveId" clId="{4EE1E1C5-3BBA-4446-B4F3-6FBF5165055E}" dt="2024-05-31T13:58:37.856" v="2384" actId="113"/>
           <ac:spMkLst>
             <pc:docMk/>
             <pc:sldMk cId="639001790" sldId="264"/>
@@ -217,7 +377,7 @@
           </ac:spMkLst>
         </pc:spChg>
         <pc:spChg chg="mod">
-          <ac:chgData name="Sam Smith" userId="4f436b633839fde9" providerId="LiveId" clId="{4EE1E1C5-3BBA-4446-B4F3-6FBF5165055E}" dt="2024-05-21T12:12:02.432" v="2292" actId="20577"/>
+          <ac:chgData name="Sam Smith" userId="4f436b633839fde9" providerId="LiveId" clId="{4EE1E1C5-3BBA-4446-B4F3-6FBF5165055E}" dt="2024-05-31T13:58:39.777" v="2385" actId="113"/>
           <ac:spMkLst>
             <pc:docMk/>
             <pc:sldMk cId="639001790" sldId="264"/>
@@ -225,7 +385,7 @@
           </ac:spMkLst>
         </pc:spChg>
         <pc:spChg chg="mod">
-          <ac:chgData name="Sam Smith" userId="4f436b633839fde9" providerId="LiveId" clId="{4EE1E1C5-3BBA-4446-B4F3-6FBF5165055E}" dt="2024-05-12T12:01:50.406" v="486" actId="207"/>
+          <ac:chgData name="Sam Smith" userId="4f436b633839fde9" providerId="LiveId" clId="{4EE1E1C5-3BBA-4446-B4F3-6FBF5165055E}" dt="2024-05-31T13:58:36.692" v="2383" actId="113"/>
           <ac:spMkLst>
             <pc:docMk/>
             <pc:sldMk cId="639001790" sldId="264"/>
@@ -241,7 +401,7 @@
           </ac:spMkLst>
         </pc:spChg>
         <pc:spChg chg="mod">
-          <ac:chgData name="Sam Smith" userId="4f436b633839fde9" providerId="LiveId" clId="{4EE1E1C5-3BBA-4446-B4F3-6FBF5165055E}" dt="2024-05-12T15:12:43.306" v="694" actId="20577"/>
+          <ac:chgData name="Sam Smith" userId="4f436b633839fde9" providerId="LiveId" clId="{4EE1E1C5-3BBA-4446-B4F3-6FBF5165055E}" dt="2024-05-31T14:00:24.978" v="2431" actId="404"/>
           <ac:spMkLst>
             <pc:docMk/>
             <pc:sldMk cId="639001790" sldId="264"/>
@@ -249,7 +409,7 @@
           </ac:spMkLst>
         </pc:spChg>
         <pc:spChg chg="mod">
-          <ac:chgData name="Sam Smith" userId="4f436b633839fde9" providerId="LiveId" clId="{4EE1E1C5-3BBA-4446-B4F3-6FBF5165055E}" dt="2024-05-12T15:12:56.147" v="703" actId="20577"/>
+          <ac:chgData name="Sam Smith" userId="4f436b633839fde9" providerId="LiveId" clId="{4EE1E1C5-3BBA-4446-B4F3-6FBF5165055E}" dt="2024-05-31T13:59:40.404" v="2413" actId="6549"/>
           <ac:spMkLst>
             <pc:docMk/>
             <pc:sldMk cId="639001790" sldId="264"/>
@@ -257,7 +417,7 @@
           </ac:spMkLst>
         </pc:spChg>
         <pc:spChg chg="mod">
-          <ac:chgData name="Sam Smith" userId="4f436b633839fde9" providerId="LiveId" clId="{4EE1E1C5-3BBA-4446-B4F3-6FBF5165055E}" dt="2024-05-12T15:12:49.344" v="702" actId="20577"/>
+          <ac:chgData name="Sam Smith" userId="4f436b633839fde9" providerId="LiveId" clId="{4EE1E1C5-3BBA-4446-B4F3-6FBF5165055E}" dt="2024-05-31T13:59:57.313" v="2421" actId="20577"/>
           <ac:spMkLst>
             <pc:docMk/>
             <pc:sldMk cId="639001790" sldId="264"/>
@@ -385,7 +545,7 @@
           </ac:spMkLst>
         </pc:spChg>
         <pc:spChg chg="add mod">
-          <ac:chgData name="Sam Smith" userId="4f436b633839fde9" providerId="LiveId" clId="{4EE1E1C5-3BBA-4446-B4F3-6FBF5165055E}" dt="2024-05-21T10:52:45.260" v="2239" actId="404"/>
+          <ac:chgData name="Sam Smith" userId="4f436b633839fde9" providerId="LiveId" clId="{4EE1E1C5-3BBA-4446-B4F3-6FBF5165055E}" dt="2024-06-01T18:50:38.815" v="2591" actId="1035"/>
           <ac:spMkLst>
             <pc:docMk/>
             <pc:sldMk cId="639001790" sldId="264"/>
@@ -393,7 +553,7 @@
           </ac:spMkLst>
         </pc:spChg>
         <pc:spChg chg="add mod">
-          <ac:chgData name="Sam Smith" userId="4f436b633839fde9" providerId="LiveId" clId="{4EE1E1C5-3BBA-4446-B4F3-6FBF5165055E}" dt="2024-05-21T10:52:45.260" v="2239" actId="404"/>
+          <ac:chgData name="Sam Smith" userId="4f436b633839fde9" providerId="LiveId" clId="{4EE1E1C5-3BBA-4446-B4F3-6FBF5165055E}" dt="2024-06-01T18:50:34.449" v="2590" actId="1035"/>
           <ac:spMkLst>
             <pc:docMk/>
             <pc:sldMk cId="639001790" sldId="264"/>
@@ -441,7 +601,7 @@
           </ac:spMkLst>
         </pc:spChg>
         <pc:spChg chg="mod">
-          <ac:chgData name="Sam Smith" userId="4f436b633839fde9" providerId="LiveId" clId="{4EE1E1C5-3BBA-4446-B4F3-6FBF5165055E}" dt="2024-05-21T10:36:57.298" v="1569" actId="207"/>
+          <ac:chgData name="Sam Smith" userId="4f436b633839fde9" providerId="LiveId" clId="{4EE1E1C5-3BBA-4446-B4F3-6FBF5165055E}" dt="2024-05-31T00:24:31.803" v="2325" actId="113"/>
           <ac:spMkLst>
             <pc:docMk/>
             <pc:sldMk cId="639001790" sldId="264"/>
@@ -809,7 +969,7 @@
         </pc:sldMkLst>
       </pc:sldChg>
       <pc:sldChg chg="addSp delSp modSp add mod">
-        <pc:chgData name="Sam Smith" userId="4f436b633839fde9" providerId="LiveId" clId="{4EE1E1C5-3BBA-4446-B4F3-6FBF5165055E}" dt="2024-05-21T12:11:16.394" v="2282" actId="1035"/>
+        <pc:chgData name="Sam Smith" userId="4f436b633839fde9" providerId="LiveId" clId="{4EE1E1C5-3BBA-4446-B4F3-6FBF5165055E}" dt="2024-05-31T13:59:29.008" v="2408"/>
         <pc:sldMkLst>
           <pc:docMk/>
           <pc:sldMk cId="2704722121" sldId="266"/>
@@ -831,7 +991,7 @@
           </ac:spMkLst>
         </pc:spChg>
         <pc:spChg chg="mod">
-          <ac:chgData name="Sam Smith" userId="4f436b633839fde9" providerId="LiveId" clId="{4EE1E1C5-3BBA-4446-B4F3-6FBF5165055E}" dt="2024-05-12T15:13:55.780" v="725" actId="20577"/>
+          <ac:chgData name="Sam Smith" userId="4f436b633839fde9" providerId="LiveId" clId="{4EE1E1C5-3BBA-4446-B4F3-6FBF5165055E}" dt="2024-05-31T13:59:29.008" v="2408"/>
           <ac:spMkLst>
             <pc:docMk/>
             <pc:sldMk cId="2704722121" sldId="266"/>
@@ -871,7 +1031,7 @@
           </ac:spMkLst>
         </pc:spChg>
         <pc:spChg chg="mod">
-          <ac:chgData name="Sam Smith" userId="4f436b633839fde9" providerId="LiveId" clId="{4EE1E1C5-3BBA-4446-B4F3-6FBF5165055E}" dt="2024-05-12T15:17:51.789" v="807" actId="20577"/>
+          <ac:chgData name="Sam Smith" userId="4f436b633839fde9" providerId="LiveId" clId="{4EE1E1C5-3BBA-4446-B4F3-6FBF5165055E}" dt="2024-05-31T13:59:25.006" v="2405" actId="20577"/>
           <ac:spMkLst>
             <pc:docMk/>
             <pc:sldMk cId="2704722121" sldId="266"/>
@@ -879,7 +1039,7 @@
           </ac:spMkLst>
         </pc:spChg>
         <pc:spChg chg="mod">
-          <ac:chgData name="Sam Smith" userId="4f436b633839fde9" providerId="LiveId" clId="{4EE1E1C5-3BBA-4446-B4F3-6FBF5165055E}" dt="2024-05-12T15:17:45.656" v="805" actId="20577"/>
+          <ac:chgData name="Sam Smith" userId="4f436b633839fde9" providerId="LiveId" clId="{4EE1E1C5-3BBA-4446-B4F3-6FBF5165055E}" dt="2024-05-31T13:59:27.278" v="2407" actId="20577"/>
           <ac:spMkLst>
             <pc:docMk/>
             <pc:sldMk cId="2704722121" sldId="266"/>
@@ -1248,7 +1408,7 @@
         </pc:cxnChg>
       </pc:sldChg>
       <pc:sldChg chg="addSp delSp modSp add mod">
-        <pc:chgData name="Sam Smith" userId="4f436b633839fde9" providerId="LiveId" clId="{4EE1E1C5-3BBA-4446-B4F3-6FBF5165055E}" dt="2024-05-21T10:47:17.263" v="2232" actId="1035"/>
+        <pc:chgData name="Sam Smith" userId="4f436b633839fde9" providerId="LiveId" clId="{4EE1E1C5-3BBA-4446-B4F3-6FBF5165055E}" dt="2024-05-31T13:59:20.392" v="2403" actId="20577"/>
         <pc:sldMkLst>
           <pc:docMk/>
           <pc:sldMk cId="128080241" sldId="267"/>
@@ -1270,7 +1430,7 @@
           </ac:spMkLst>
         </pc:spChg>
         <pc:spChg chg="mod">
-          <ac:chgData name="Sam Smith" userId="4f436b633839fde9" providerId="LiveId" clId="{4EE1E1C5-3BBA-4446-B4F3-6FBF5165055E}" dt="2024-05-12T16:55:16.979" v="985" actId="20577"/>
+          <ac:chgData name="Sam Smith" userId="4f436b633839fde9" providerId="LiveId" clId="{4EE1E1C5-3BBA-4446-B4F3-6FBF5165055E}" dt="2024-05-31T13:59:14.518" v="2399"/>
           <ac:spMkLst>
             <pc:docMk/>
             <pc:sldMk cId="128080241" sldId="267"/>
@@ -1318,7 +1478,15 @@
           </ac:spMkLst>
         </pc:spChg>
         <pc:spChg chg="mod">
-          <ac:chgData name="Sam Smith" userId="4f436b633839fde9" providerId="LiveId" clId="{4EE1E1C5-3BBA-4446-B4F3-6FBF5165055E}" dt="2024-05-12T16:49:45.022" v="953" actId="20577"/>
+          <ac:chgData name="Sam Smith" userId="4f436b633839fde9" providerId="LiveId" clId="{4EE1E1C5-3BBA-4446-B4F3-6FBF5165055E}" dt="2024-05-31T13:59:20.392" v="2403" actId="20577"/>
+          <ac:spMkLst>
+            <pc:docMk/>
+            <pc:sldMk cId="128080241" sldId="267"/>
+            <ac:spMk id="13" creationId="{DDD1743C-5EB0-94EE-8348-798AEC7B21E2}"/>
+          </ac:spMkLst>
+        </pc:spChg>
+        <pc:spChg chg="mod">
+          <ac:chgData name="Sam Smith" userId="4f436b633839fde9" providerId="LiveId" clId="{4EE1E1C5-3BBA-4446-B4F3-6FBF5165055E}" dt="2024-05-31T13:59:17.785" v="2401" actId="20577"/>
           <ac:spMkLst>
             <pc:docMk/>
             <pc:sldMk cId="128080241" sldId="267"/>
@@ -1535,7 +1703,7 @@
         </pc:cxnChg>
       </pc:sldChg>
       <pc:sldChg chg="addSp delSp modSp add mod">
-        <pc:chgData name="Sam Smith" userId="4f436b633839fde9" providerId="LiveId" clId="{4EE1E1C5-3BBA-4446-B4F3-6FBF5165055E}" dt="2024-05-21T10:47:28.049" v="2235" actId="14100"/>
+        <pc:chgData name="Sam Smith" userId="4f436b633839fde9" providerId="LiveId" clId="{4EE1E1C5-3BBA-4446-B4F3-6FBF5165055E}" dt="2024-05-31T13:59:08.832" v="2398" actId="20577"/>
         <pc:sldMkLst>
           <pc:docMk/>
           <pc:sldMk cId="2603992388" sldId="268"/>
@@ -1565,7 +1733,7 @@
           </ac:spMkLst>
         </pc:spChg>
         <pc:spChg chg="mod">
-          <ac:chgData name="Sam Smith" userId="4f436b633839fde9" providerId="LiveId" clId="{4EE1E1C5-3BBA-4446-B4F3-6FBF5165055E}" dt="2024-05-12T16:58:46.883" v="1013" actId="20577"/>
+          <ac:chgData name="Sam Smith" userId="4f436b633839fde9" providerId="LiveId" clId="{4EE1E1C5-3BBA-4446-B4F3-6FBF5165055E}" dt="2024-05-31T13:59:08.832" v="2398" actId="20577"/>
           <ac:spMkLst>
             <pc:docMk/>
             <pc:sldMk cId="2603992388" sldId="268"/>
@@ -2124,7 +2292,7 @@
           <a:p>
             <a:fld id="{3A5B5B67-3171-40FE-9D97-D4DD26808B06}" type="datetimeFigureOut">
               <a:rPr lang="en-US" smtClean="0"/>
-              <a:t>5/21/2024</a:t>
+              <a:t>6/1/2024</a:t>
             </a:fld>
             <a:endParaRPr lang="en-US"/>
           </a:p>
@@ -2322,7 +2490,7 @@
           <a:p>
             <a:fld id="{3A5B5B67-3171-40FE-9D97-D4DD26808B06}" type="datetimeFigureOut">
               <a:rPr lang="en-US" smtClean="0"/>
-              <a:t>5/21/2024</a:t>
+              <a:t>6/1/2024</a:t>
             </a:fld>
             <a:endParaRPr lang="en-US"/>
           </a:p>
@@ -2530,7 +2698,7 @@
           <a:p>
             <a:fld id="{3A5B5B67-3171-40FE-9D97-D4DD26808B06}" type="datetimeFigureOut">
               <a:rPr lang="en-US" smtClean="0"/>
-              <a:t>5/21/2024</a:t>
+              <a:t>6/1/2024</a:t>
             </a:fld>
             <a:endParaRPr lang="en-US"/>
           </a:p>
@@ -2728,7 +2896,7 @@
           <a:p>
             <a:fld id="{3A5B5B67-3171-40FE-9D97-D4DD26808B06}" type="datetimeFigureOut">
               <a:rPr lang="en-US" smtClean="0"/>
-              <a:t>5/21/2024</a:t>
+              <a:t>6/1/2024</a:t>
             </a:fld>
             <a:endParaRPr lang="en-US"/>
           </a:p>
@@ -3003,7 +3171,7 @@
           <a:p>
             <a:fld id="{3A5B5B67-3171-40FE-9D97-D4DD26808B06}" type="datetimeFigureOut">
               <a:rPr lang="en-US" smtClean="0"/>
-              <a:t>5/21/2024</a:t>
+              <a:t>6/1/2024</a:t>
             </a:fld>
             <a:endParaRPr lang="en-US"/>
           </a:p>
@@ -3268,7 +3436,7 @@
           <a:p>
             <a:fld id="{3A5B5B67-3171-40FE-9D97-D4DD26808B06}" type="datetimeFigureOut">
               <a:rPr lang="en-US" smtClean="0"/>
-              <a:t>5/21/2024</a:t>
+              <a:t>6/1/2024</a:t>
             </a:fld>
             <a:endParaRPr lang="en-US"/>
           </a:p>
@@ -3680,7 +3848,7 @@
           <a:p>
             <a:fld id="{3A5B5B67-3171-40FE-9D97-D4DD26808B06}" type="datetimeFigureOut">
               <a:rPr lang="en-US" smtClean="0"/>
-              <a:t>5/21/2024</a:t>
+              <a:t>6/1/2024</a:t>
             </a:fld>
             <a:endParaRPr lang="en-US"/>
           </a:p>
@@ -3821,7 +3989,7 @@
           <a:p>
             <a:fld id="{3A5B5B67-3171-40FE-9D97-D4DD26808B06}" type="datetimeFigureOut">
               <a:rPr lang="en-US" smtClean="0"/>
-              <a:t>5/21/2024</a:t>
+              <a:t>6/1/2024</a:t>
             </a:fld>
             <a:endParaRPr lang="en-US"/>
           </a:p>
@@ -3934,7 +4102,7 @@
           <a:p>
             <a:fld id="{3A5B5B67-3171-40FE-9D97-D4DD26808B06}" type="datetimeFigureOut">
               <a:rPr lang="en-US" smtClean="0"/>
-              <a:t>5/21/2024</a:t>
+              <a:t>6/1/2024</a:t>
             </a:fld>
             <a:endParaRPr lang="en-US"/>
           </a:p>
@@ -4245,7 +4413,7 @@
           <a:p>
             <a:fld id="{3A5B5B67-3171-40FE-9D97-D4DD26808B06}" type="datetimeFigureOut">
               <a:rPr lang="en-US" smtClean="0"/>
-              <a:t>5/21/2024</a:t>
+              <a:t>6/1/2024</a:t>
             </a:fld>
             <a:endParaRPr lang="en-US"/>
           </a:p>
@@ -4533,7 +4701,7 @@
           <a:p>
             <a:fld id="{3A5B5B67-3171-40FE-9D97-D4DD26808B06}" type="datetimeFigureOut">
               <a:rPr lang="en-US" smtClean="0"/>
-              <a:t>5/21/2024</a:t>
+              <a:t>6/1/2024</a:t>
             </a:fld>
             <a:endParaRPr lang="en-US"/>
           </a:p>
@@ -4774,7 +4942,7 @@
           <a:p>
             <a:fld id="{3A5B5B67-3171-40FE-9D97-D4DD26808B06}" type="datetimeFigureOut">
               <a:rPr lang="en-US" smtClean="0"/>
-              <a:t>5/21/2024</a:t>
+              <a:t>6/1/2024</a:t>
             </a:fld>
             <a:endParaRPr lang="en-US"/>
           </a:p>
@@ -5213,16 +5381,17 @@
           <a:lstStyle/>
           <a:p>
             <a:r>
-              <a:rPr lang="en-US" dirty="0"/>
+              <a:rPr lang="en-US"/>
               <a:t>Satisfactory </a:t>
             </a:r>
             <a:br>
-              <a:rPr lang="en-US" dirty="0"/>
+              <a:rPr lang="en-US"/>
             </a:br>
             <a:r>
-              <a:rPr lang="en-US" dirty="0"/>
+              <a:rPr lang="en-US"/>
               <a:t>Elevator planning</a:t>
             </a:r>
+            <a:endParaRPr lang="en-US" dirty="0"/>
           </a:p>
         </p:txBody>
       </p:sp>
@@ -5256,8 +5425,8 @@
           <a:p>
             <a:pPr algn="l"/>
             <a:r>
-              <a:rPr lang="en-US" dirty="0"/>
-              <a:t>Assumes space elevator final phase 4 production of:</a:t>
+              <a:rPr lang="en-US"/>
+              <a:t>Assumes space elevator phase-4 production and delivery of four pieces:</a:t>
             </a:r>
           </a:p>
           <a:p>
@@ -5266,7 +5435,7 @@
               <a:buChar char="•"/>
             </a:pPr>
             <a:r>
-              <a:rPr lang="en-US" dirty="0"/>
+              <a:rPr lang="en-US"/>
               <a:t>Assembly Director System (x4)</a:t>
             </a:r>
           </a:p>
@@ -5276,7 +5445,7 @@
               <a:buChar char="•"/>
             </a:pPr>
             <a:r>
-              <a:rPr lang="en-US" dirty="0"/>
+              <a:rPr lang="en-US"/>
               <a:t>Magnetic Field Generator (x4)</a:t>
             </a:r>
           </a:p>
@@ -5286,7 +5455,7 @@
               <a:buChar char="•"/>
             </a:pPr>
             <a:r>
-              <a:rPr lang="en-US" dirty="0"/>
+              <a:rPr lang="en-US"/>
               <a:t>Nuclear Pasta (x1)</a:t>
             </a:r>
           </a:p>
@@ -5296,39 +5465,31 @@
               <a:buChar char="•"/>
             </a:pPr>
             <a:r>
-              <a:rPr lang="en-US" dirty="0"/>
+              <a:rPr lang="en-US"/>
               <a:t>Thermal Propulsion Unit (x1)</a:t>
             </a:r>
           </a:p>
           <a:p>
             <a:pPr algn="l"/>
             <a:r>
-              <a:rPr lang="en-US" dirty="0"/>
-              <a:t>The space elevator factories use the inputs of previous stages and pass the content to the elevator, and then later</a:t>
-            </a:r>
-            <a:r>
               <a:rPr lang="en-US"/>
-              <a:t>, to </a:t>
-            </a:r>
-            <a:r>
-              <a:rPr lang="en-US" dirty="0"/>
-              <a:t>the next stages for production (e.g. Smart plates -&gt; Modular Engines -&gt; Thermal Propulsion Unit)</a:t>
+              <a:t>The space elevator factories use the inputs of previous phases and pass the content to the elevator, and then later, to the next stages for production (for example, Smart plates are used in Modular Engines, that are used in Thermal Propulsion Units)</a:t>
             </a:r>
           </a:p>
           <a:p>
             <a:pPr algn="l"/>
             <a:r>
-              <a:rPr lang="en-US" dirty="0"/>
-              <a:t>Based around the idea there are 5 factories for production of various categories of items (iron, steel, oil, electronics, and aluminum), that pass components between each other before exporting components to the space elevator</a:t>
+              <a:rPr lang="en-US"/>
+              <a:t>With the elevator the primary production focus, there are (at least) 5 factories for production of various categories of items (iron, steel, oil, electronics, and aluminum), that pass components between each other before exporting components to the space elevator for final construction</a:t>
             </a:r>
           </a:p>
           <a:p>
             <a:pPr algn="l"/>
-            <a:endParaRPr lang="en-US" dirty="0"/>
+            <a:endParaRPr lang="en-US"/>
           </a:p>
           <a:p>
             <a:pPr algn="l"/>
-            <a:endParaRPr lang="en-US" dirty="0"/>
+            <a:endParaRPr lang="en-US"/>
           </a:p>
           <a:p>
             <a:pPr algn="l"/>
@@ -5475,6 +5636,13 @@
             <a:pPr algn="ctr"/>
             <a:r>
               <a:rPr lang="en-US" dirty="0"/>
+              <a:t>Piece 1:</a:t>
+            </a:r>
+            <a:br>
+              <a:rPr lang="en-US" dirty="0"/>
+            </a:br>
+            <a:r>
+              <a:rPr lang="en-US" dirty="0"/>
               <a:t>Smart Plates</a:t>
             </a:r>
             <a:br>
@@ -6483,7 +6651,7 @@
             <a:pPr algn="ctr"/>
             <a:r>
               <a:rPr lang="en-US" dirty="0"/>
-              <a:t>Smart Plates</a:t>
+              <a:t>Piece 1: Smart Plates</a:t>
             </a:r>
             <a:br>
               <a:rPr lang="en-US" dirty="0"/>
@@ -6539,7 +6707,7 @@
             <a:pPr algn="ctr"/>
             <a:r>
               <a:rPr lang="en-US" dirty="0"/>
-              <a:t>Versatile Framework</a:t>
+              <a:t>Piece 3: Versatile Framework</a:t>
             </a:r>
             <a:br>
               <a:rPr lang="en-US" dirty="0"/>
@@ -6595,7 +6763,7 @@
             <a:pPr algn="ctr"/>
             <a:r>
               <a:rPr lang="en-US" dirty="0"/>
-              <a:t>Automated Wiring </a:t>
+              <a:t>Piece 2: Automated Wiring </a:t>
             </a:r>
             <a:br>
               <a:rPr lang="en-US" dirty="0"/>
@@ -7905,7 +8073,7 @@
             <a:pPr algn="ctr"/>
             <a:r>
               <a:rPr lang="en-US" dirty="0"/>
-              <a:t>Modular Engine</a:t>
+              <a:t>Piece 1: Modular Engine</a:t>
             </a:r>
             <a:br>
               <a:rPr lang="en-US" dirty="0"/>
@@ -8091,7 +8259,7 @@
             <a:pPr algn="ctr"/>
             <a:r>
               <a:rPr lang="en-US" dirty="0"/>
-              <a:t>Versatile Framework</a:t>
+              <a:t>Piece 3: Versatile Framework</a:t>
             </a:r>
             <a:br>
               <a:rPr lang="en-US" dirty="0"/>
@@ -8147,7 +8315,7 @@
             <a:pPr algn="ctr"/>
             <a:r>
               <a:rPr lang="en-US" dirty="0"/>
-              <a:t>Adaptive Control Unit </a:t>
+              <a:t>Piece 2: Adaptive Control Unit </a:t>
             </a:r>
             <a:br>
               <a:rPr lang="en-US" dirty="0"/>
@@ -10511,14 +10679,7 @@
             <a:pPr algn="ctr"/>
             <a:r>
               <a:rPr lang="en-US" dirty="0"/>
-              <a:t>Thermal Propulsion Unit </a:t>
-            </a:r>
-            <a:br>
-              <a:rPr lang="en-US" dirty="0"/>
-            </a:br>
-            <a:r>
-              <a:rPr lang="en-US" dirty="0"/>
-              <a:t>(x1)</a:t>
+              <a:t>Piece 1: Thermal Propulsion Unit (x1)</a:t>
             </a:r>
           </a:p>
         </p:txBody>
@@ -10762,8 +10923,13 @@
             <a:pPr algn="ctr"/>
             <a:r>
               <a:rPr lang="en-US" dirty="0"/>
-              <a:t>Magnetic Field Generator (x4)</a:t>
-            </a:r>
+              <a:t>Piece 3: Magnetic Field </a:t>
+            </a:r>
+            <a:r>
+              <a:rPr lang="en-US" sz="1600" dirty="0"/>
+              <a:t>Generator (x4)</a:t>
+            </a:r>
+            <a:endParaRPr lang="en-US" sz="1400" dirty="0"/>
           </a:p>
         </p:txBody>
       </p:sp>
@@ -10811,14 +10977,7 @@
             <a:pPr algn="ctr"/>
             <a:r>
               <a:rPr lang="en-US" dirty="0"/>
-              <a:t>Assembly Director System </a:t>
-            </a:r>
-            <a:br>
-              <a:rPr lang="en-US" dirty="0"/>
-            </a:br>
-            <a:r>
-              <a:rPr lang="en-US" dirty="0"/>
-              <a:t>(x4)</a:t>
+              <a:t>Piece 2: Assembly Director System (x4)</a:t>
             </a:r>
           </a:p>
         </p:txBody>
@@ -10867,7 +11026,7 @@
             <a:pPr algn="ctr"/>
             <a:r>
               <a:rPr lang="en-US" dirty="0"/>
-              <a:t>Nuclear Pasta </a:t>
+              <a:t>Piece 4: Nuclear Pasta </a:t>
             </a:r>
             <a:br>
               <a:rPr lang="en-US" dirty="0"/>
@@ -11195,22 +11354,29 @@
               </a:rPr>
               <a:t>Nuclear</a:t>
             </a:r>
+          </a:p>
+          <a:p>
+            <a:pPr algn="ctr"/>
+            <a:r>
+              <a:rPr lang="en-US" sz="900" b="1" dirty="0">
+                <a:solidFill>
+                  <a:schemeClr val="tx1"/>
+                </a:solidFill>
+                <a:hlinkClick r:id="rId7">
+                  <a:extLst>
+                    <a:ext uri="{A12FA001-AC4F-418D-AE19-62706E023703}">
+                      <ahyp:hlinkClr xmlns:ahyp="http://schemas.microsoft.com/office/drawing/2018/hyperlinkcolor" val="tx"/>
+                    </a:ext>
+                  </a:extLst>
+                </a:hlinkClick>
+              </a:rPr>
+              <a:t>20000MW</a:t>
+            </a:r>
             <a:endParaRPr lang="en-US" sz="900" b="1" dirty="0">
               <a:solidFill>
                 <a:schemeClr val="tx1"/>
               </a:solidFill>
             </a:endParaRPr>
-          </a:p>
-          <a:p>
-            <a:pPr algn="ctr"/>
-            <a:r>
-              <a:rPr lang="en-US" sz="900" b="1" dirty="0">
-                <a:solidFill>
-                  <a:schemeClr val="tx1"/>
-                </a:solidFill>
-              </a:rPr>
-              <a:t>20000MW</a:t>
-            </a:r>
           </a:p>
         </p:txBody>
       </p:sp>
@@ -13760,7 +13926,7 @@
         </p:nvSpPr>
         <p:spPr>
           <a:xfrm>
-            <a:off x="142956" y="5949292"/>
+            <a:off x="142956" y="5945059"/>
             <a:ext cx="1397087" cy="182880"/>
           </a:xfrm>
           <a:prstGeom prst="homePlate">
@@ -13819,7 +13985,7 @@
         </p:nvSpPr>
         <p:spPr>
           <a:xfrm>
-            <a:off x="142956" y="972500"/>
+            <a:off x="142956" y="959801"/>
             <a:ext cx="1390569" cy="182880"/>
           </a:xfrm>
           <a:prstGeom prst="homePlate">
